--- a/Лекции/ООП 1 лек 5.pptx
+++ b/Лекции/ООП 1 лек 5.pptx
@@ -271,7 +271,7 @@
             <a:fld id="{AA2F9473-F066-431E-A6E8-1D478C995A6B}" type="datetimeFigureOut">
               <a:rPr lang="en-US" smtClean="0"/>
               <a:pPr/>
-              <a:t>1/30/2025</a:t>
+              <a:t>3/28/2025</a:t>
             </a:fld>
             <a:endParaRPr lang="en-US"/>
           </a:p>
@@ -6097,7 +6097,7 @@
           <p:cNvPr id="9" name="Номер слайда 3">
             <a:extLst>
               <a:ext uri="{FF2B5EF4-FFF2-40B4-BE49-F238E27FC236}">
-                <a16:creationId xmlns:a16="http://schemas.microsoft.com/office/drawing/2014/main" xmlns="" id="{3DF48714-7FE4-4364-BF9D-28B9C9E2979D}"/>
+                <a16:creationId xmlns:a16="http://schemas.microsoft.com/office/drawing/2014/main" id="{3DF48714-7FE4-4364-BF9D-28B9C9E2979D}"/>
               </a:ext>
             </a:extLst>
           </p:cNvPr>
@@ -6236,7 +6236,7 @@
           <p:cNvPr id="7" name="Номер слайда 3">
             <a:extLst>
               <a:ext uri="{FF2B5EF4-FFF2-40B4-BE49-F238E27FC236}">
-                <a16:creationId xmlns:a16="http://schemas.microsoft.com/office/drawing/2014/main" xmlns="" id="{3DF48714-7FE4-4364-BF9D-28B9C9E2979D}"/>
+                <a16:creationId xmlns:a16="http://schemas.microsoft.com/office/drawing/2014/main" id="{3DF48714-7FE4-4364-BF9D-28B9C9E2979D}"/>
               </a:ext>
             </a:extLst>
           </p:cNvPr>
@@ -6518,7 +6518,7 @@
           <p:cNvPr id="9" name="Номер слайда 3">
             <a:extLst>
               <a:ext uri="{FF2B5EF4-FFF2-40B4-BE49-F238E27FC236}">
-                <a16:creationId xmlns:a16="http://schemas.microsoft.com/office/drawing/2014/main" xmlns="" id="{3DF48714-7FE4-4364-BF9D-28B9C9E2979D}"/>
+                <a16:creationId xmlns:a16="http://schemas.microsoft.com/office/drawing/2014/main" id="{3DF48714-7FE4-4364-BF9D-28B9C9E2979D}"/>
               </a:ext>
             </a:extLst>
           </p:cNvPr>
@@ -6955,7 +6955,7 @@
           <p:cNvPr id="17" name="Заголовок 16">
             <a:extLst>
               <a:ext uri="{FF2B5EF4-FFF2-40B4-BE49-F238E27FC236}">
-                <a16:creationId xmlns:a16="http://schemas.microsoft.com/office/drawing/2014/main" xmlns="" id="{D630362D-1F09-46B4-9DE4-AEA483AC82FD}"/>
+                <a16:creationId xmlns:a16="http://schemas.microsoft.com/office/drawing/2014/main" id="{D630362D-1F09-46B4-9DE4-AEA483AC82FD}"/>
               </a:ext>
             </a:extLst>
           </p:cNvPr>
@@ -7189,7 +7189,7 @@
           <p:cNvPr id="12" name="TextBox 11">
             <a:extLst>
               <a:ext uri="{FF2B5EF4-FFF2-40B4-BE49-F238E27FC236}">
-                <a16:creationId xmlns:a16="http://schemas.microsoft.com/office/drawing/2014/main" xmlns="" id="{F7B00361-5492-4290-B470-295172C16526}"/>
+                <a16:creationId xmlns:a16="http://schemas.microsoft.com/office/drawing/2014/main" id="{F7B00361-5492-4290-B470-295172C16526}"/>
               </a:ext>
             </a:extLst>
           </p:cNvPr>
@@ -7341,7 +7341,7 @@
         <p:spPr>
           <a:xfrm>
             <a:off x="271158" y="284205"/>
-            <a:ext cx="11541901" cy="4893647"/>
+            <a:ext cx="11541901" cy="4339650"/>
           </a:xfrm>
           <a:prstGeom prst="rect">
             <a:avLst/>
@@ -7359,40 +7359,31 @@
               </a:lnSpc>
             </a:pPr>
             <a:r>
-              <a:rPr lang="ru-RU" sz="2400" dirty="0">
-                <a:solidFill>
-                  <a:srgbClr val="000000"/>
-                </a:solidFill>
-                <a:latin typeface="Bookman Old Style" panose="02050604050505020204" pitchFamily="18" charset="0"/>
-              </a:rPr>
-              <a:t>И допустим в контроллере определено действие </a:t>
-            </a:r>
-            <a:r>
-              <a:rPr lang="ru-RU" sz="2400" dirty="0" err="1">
-                <a:solidFill>
-                  <a:srgbClr val="000000"/>
-                </a:solidFill>
-                <a:latin typeface="Bookman Old Style" panose="02050604050505020204" pitchFamily="18" charset="0"/>
-              </a:rPr>
-              <a:t>Create</a:t>
-            </a:r>
-            <a:r>
-              <a:rPr lang="ru-RU" sz="2400" dirty="0">
-                <a:solidFill>
-                  <a:srgbClr val="000000"/>
-                </a:solidFill>
-                <a:latin typeface="Bookman Old Style" panose="02050604050505020204" pitchFamily="18" charset="0"/>
-              </a:rPr>
-              <a:t> для создания нового объекта </a:t>
-            </a:r>
-            <a:r>
-              <a:rPr lang="ru-RU" sz="2400" dirty="0" err="1">
-                <a:solidFill>
-                  <a:srgbClr val="000000"/>
-                </a:solidFill>
-                <a:latin typeface="Bookman Old Style" panose="02050604050505020204" pitchFamily="18" charset="0"/>
-              </a:rPr>
-              <a:t>Product</a:t>
+              <a:rPr lang="ru-RU" sz="2400" dirty="0" smtClean="0">
+                <a:solidFill>
+                  <a:srgbClr val="000000"/>
+                </a:solidFill>
+                <a:latin typeface="Bookman Old Style" panose="02050604050505020204" pitchFamily="18" charset="0"/>
+              </a:rPr>
+              <a:t>Запишем обработчик </a:t>
+            </a:r>
+            <a:r>
+              <a:rPr lang="en-US" sz="2400" dirty="0" smtClean="0">
+                <a:solidFill>
+                  <a:srgbClr val="000000"/>
+                </a:solidFill>
+                <a:latin typeface="Bookman Old Style" panose="02050604050505020204" pitchFamily="18" charset="0"/>
+              </a:rPr>
+              <a:t>post </a:t>
+            </a:r>
+            <a:r>
+              <a:rPr lang="ru-RU" sz="2400" dirty="0" smtClean="0">
+                <a:solidFill>
+                  <a:srgbClr val="000000"/>
+                </a:solidFill>
+                <a:latin typeface="Bookman Old Style" panose="02050604050505020204" pitchFamily="18" charset="0"/>
+              </a:rPr>
+              <a:t>запроса</a:t>
             </a:r>
             <a:r>
               <a:rPr lang="ru-RU" sz="2400" dirty="0" smtClean="0">
@@ -16733,9 +16724,6 @@
               </a:rPr>
               <a:t>.</a:t>
             </a:r>
-            <a:endParaRPr lang="en-US" sz="2400" b="1" dirty="0">
-              <a:latin typeface="Bookman Old Style" panose="02050604050505020204" pitchFamily="18" charset="0"/>
-            </a:endParaRPr>
           </a:p>
         </p:txBody>
       </p:sp>
@@ -30124,7 +30112,7 @@
         </p:nvSpPr>
         <p:spPr>
           <a:xfrm>
-            <a:off x="271158" y="284205"/>
+            <a:off x="271157" y="0"/>
             <a:ext cx="11623854" cy="4524315"/>
           </a:xfrm>
           <a:prstGeom prst="rect">
@@ -30449,7 +30437,7 @@
         </p:blipFill>
         <p:spPr>
           <a:xfrm>
-            <a:off x="1712799" y="4783806"/>
+            <a:off x="1712798" y="4524315"/>
             <a:ext cx="8740571" cy="2049480"/>
           </a:xfrm>
           <a:prstGeom prst="rect">
@@ -31228,8 +31216,14 @@
                 </a:solidFill>
                 <a:latin typeface="Consolas" panose="020B0609020204030204" pitchFamily="49" charset="0"/>
               </a:rPr>
-              <a:t>“</a:t>
-            </a:r>
+              <a:t>"</a:t>
+            </a:r>
+            <a:endParaRPr lang="ru-RU" sz="2400" dirty="0" smtClean="0">
+              <a:solidFill>
+                <a:srgbClr val="800000"/>
+              </a:solidFill>
+              <a:latin typeface="Consolas" panose="020B0609020204030204" pitchFamily="49" charset="0"/>
+            </a:endParaRPr>
           </a:p>
           <a:p>
             <a:r>
@@ -39562,7 +39556,7 @@
               <a:t>И допустим в контроллере определено действие </a:t>
             </a:r>
             <a:r>
-              <a:rPr lang="ru-RU" sz="2400" dirty="0" err="1">
+              <a:rPr lang="en-US" sz="2400" dirty="0" smtClean="0">
                 <a:solidFill>
                   <a:srgbClr val="000000"/>
                 </a:solidFill>
@@ -39571,16 +39565,25 @@
               <a:t>Create</a:t>
             </a:r>
             <a:r>
+              <a:rPr lang="ru-RU" sz="2400" dirty="0" smtClean="0">
+                <a:solidFill>
+                  <a:srgbClr val="000000"/>
+                </a:solidFill>
+                <a:latin typeface="Bookman Old Style" panose="02050604050505020204" pitchFamily="18" charset="0"/>
+              </a:rPr>
+              <a:t> </a:t>
+            </a:r>
+            <a:r>
               <a:rPr lang="ru-RU" sz="2400" dirty="0">
                 <a:solidFill>
                   <a:srgbClr val="000000"/>
                 </a:solidFill>
                 <a:latin typeface="Bookman Old Style" panose="02050604050505020204" pitchFamily="18" charset="0"/>
               </a:rPr>
-              <a:t> для создания нового объекта </a:t>
-            </a:r>
-            <a:r>
-              <a:rPr lang="ru-RU" sz="2400" dirty="0" err="1">
+              <a:t>для создания нового объекта </a:t>
+            </a:r>
+            <a:r>
+              <a:rPr lang="en-US" sz="2400" dirty="0" smtClean="0">
                 <a:solidFill>
                   <a:srgbClr val="000000"/>
                 </a:solidFill>

--- a/Лекции/ООП 1 лек 5.pptx
+++ b/Лекции/ООП 1 лек 5.pptx
@@ -271,7 +271,7 @@
             <a:fld id="{AA2F9473-F066-431E-A6E8-1D478C995A6B}" type="datetimeFigureOut">
               <a:rPr lang="en-US" smtClean="0"/>
               <a:pPr/>
-              <a:t>3/28/2025</a:t>
+              <a:t>3/31/2025</a:t>
             </a:fld>
             <a:endParaRPr lang="en-US"/>
           </a:p>
@@ -7383,16 +7383,7 @@
                 </a:solidFill>
                 <a:latin typeface="Bookman Old Style" panose="02050604050505020204" pitchFamily="18" charset="0"/>
               </a:rPr>
-              <a:t>запроса</a:t>
-            </a:r>
-            <a:r>
-              <a:rPr lang="ru-RU" sz="2400" dirty="0" smtClean="0">
-                <a:solidFill>
-                  <a:srgbClr val="000000"/>
-                </a:solidFill>
-                <a:latin typeface="Bookman Old Style" panose="02050604050505020204" pitchFamily="18" charset="0"/>
-              </a:rPr>
-              <a:t>:</a:t>
+              <a:t>запроса:</a:t>
             </a:r>
             <a:endParaRPr lang="en-US" sz="2400" dirty="0" smtClean="0">
               <a:solidFill>
@@ -30363,16 +30354,16 @@
               <a:t>В итоге при запуске проекта </a:t>
             </a:r>
             <a:r>
-              <a:rPr lang="ru-RU" sz="2400" dirty="0" err="1">
-                <a:latin typeface="Bookman Old Style" panose="02050604050505020204" pitchFamily="18" charset="0"/>
-              </a:rPr>
-              <a:t>вместа</a:t>
+              <a:rPr lang="ru-RU" sz="2400" dirty="0" smtClean="0">
+                <a:latin typeface="Bookman Old Style" panose="02050604050505020204" pitchFamily="18" charset="0"/>
+              </a:rPr>
+              <a:t>вместо </a:t>
             </a:r>
             <a:r>
               <a:rPr lang="ru-RU" sz="2400" dirty="0">
                 <a:latin typeface="Bookman Old Style" panose="02050604050505020204" pitchFamily="18" charset="0"/>
               </a:rPr>
-              <a:t> данного </a:t>
+              <a:t>данного </a:t>
             </a:r>
             <a:r>
               <a:rPr lang="ru-RU" sz="2400" dirty="0" err="1">
